--- a/docs/00_Tools/04_01_DE_Neighborhood-Template_Beispiel.pptx
+++ b/docs/00_Tools/04_01_DE_Neighborhood-Template_Beispiel.pptx
@@ -284,7 +284,7 @@
             <a:fld id="{A367A2F7-4AA7-4132-A009-5E08632BEE06}" type="datetime1">
               <a:rPr lang="en-US" altLang="de-DE"/>
               <a:pPr/>
-              <a:t>2/9/2022</a:t>
+              <a:t>3/4/2022</a:t>
             </a:fld>
             <a:endParaRPr lang="en-US" altLang="de-DE"/>
           </a:p>
@@ -483,7 +483,7 @@
             <a:fld id="{876BE164-A2FE-4D87-85F4-F020621FD664}" type="datetime1">
               <a:rPr lang="en-US" altLang="de-DE"/>
               <a:pPr/>
-              <a:t>2/9/2022</a:t>
+              <a:t>3/4/2022</a:t>
             </a:fld>
             <a:endParaRPr lang="en-US" altLang="de-DE"/>
           </a:p>
@@ -9299,8 +9299,8 @@
         </p:nvSpPr>
         <p:spPr bwMode="auto">
           <a:xfrm>
-            <a:off x="11061700" y="9445625"/>
-            <a:ext cx="4144963" cy="477054"/>
+            <a:off x="10428287" y="9220517"/>
+            <a:ext cx="4144963" cy="738664"/>
           </a:xfrm>
           <a:prstGeom prst="rect">
             <a:avLst/>
@@ -9447,7 +9447,7 @@
               </a:spcBef>
             </a:pPr>
             <a:r>
-              <a:rPr lang="en-US" altLang="de-DE" sz="1000" b="1" dirty="0" err="1" smtClean="0">
+              <a:rPr lang="en-US" altLang="de-DE" sz="1200" b="1" dirty="0" err="1" smtClean="0">
                 <a:solidFill>
                   <a:srgbClr val="71706E"/>
                 </a:solidFill>
@@ -9457,7 +9457,7 @@
               <a:t>Nachbarschaftstemplate</a:t>
             </a:r>
             <a:r>
-              <a:rPr lang="en-US" altLang="de-DE" sz="1000" b="1" dirty="0" smtClean="0">
+              <a:rPr lang="en-US" altLang="de-DE" sz="1200" b="1" dirty="0" smtClean="0">
                 <a:solidFill>
                   <a:srgbClr val="71706E"/>
                 </a:solidFill>
@@ -9467,7 +9467,7 @@
               <a:t> | </a:t>
             </a:r>
             <a:r>
-              <a:rPr lang="en-US" altLang="de-DE" sz="1000" b="1" dirty="0" smtClean="0">
+              <a:rPr lang="en-US" altLang="de-DE" sz="1200" b="1" dirty="0" smtClean="0">
                 <a:solidFill>
                   <a:srgbClr val="71706E"/>
                 </a:solidFill>
@@ -9509,17 +9509,27 @@
                 <a:latin typeface="Calibri" panose="020F0502020204030204" pitchFamily="34" charset="0"/>
                 <a:cs typeface="Calibri" panose="020F0502020204030204" pitchFamily="34" charset="0"/>
               </a:rPr>
-              <a:t>: Dr. Katharina Zinke (</a:t>
-            </a:r>
-            <a:r>
-              <a:rPr lang="en-US" altLang="de-DE" sz="1000" b="1" dirty="0" err="1" smtClean="0">
+              <a:t>: </a:t>
+            </a:r>
+            <a:r>
+              <a:rPr lang="en-US" altLang="de-DE" sz="1000" b="1" dirty="0" smtClean="0">
                 <a:solidFill>
                   <a:srgbClr val="71706E"/>
                 </a:solidFill>
                 <a:latin typeface="Calibri" panose="020F0502020204030204" pitchFamily="34" charset="0"/>
                 <a:cs typeface="Calibri" panose="020F0502020204030204" pitchFamily="34" charset="0"/>
               </a:rPr>
-              <a:t>Unibibliothek</a:t>
+              <a:t>Katharina Zinke, </a:t>
+            </a:r>
+            <a:r>
+              <a:rPr lang="en-US" altLang="de-DE" sz="1000" b="1" dirty="0" err="1" smtClean="0">
+                <a:solidFill>
+                  <a:srgbClr val="71706E"/>
+                </a:solidFill>
+                <a:latin typeface="Calibri" panose="020F0502020204030204" pitchFamily="34" charset="0"/>
+                <a:cs typeface="Calibri" panose="020F0502020204030204" pitchFamily="34" charset="0"/>
+              </a:rPr>
+              <a:t>Universitätsbibliothek</a:t>
             </a:r>
             <a:r>
               <a:rPr lang="en-US" altLang="de-DE" sz="1000" b="1" dirty="0" smtClean="0">
@@ -9541,15 +9551,70 @@
               </a:rPr>
               <a:t>Tübingen</a:t>
             </a:r>
-            <a:r>
-              <a:rPr lang="en-US" altLang="de-DE" sz="1000" b="1" dirty="0" smtClean="0">
+            <a:endParaRPr lang="en-US" altLang="de-DE" sz="1000" b="1" dirty="0">
+              <a:solidFill>
+                <a:srgbClr val="71706E"/>
+              </a:solidFill>
+              <a:latin typeface="Calibri" panose="020F0502020204030204" pitchFamily="34" charset="0"/>
+              <a:cs typeface="Calibri" panose="020F0502020204030204" pitchFamily="34" charset="0"/>
+            </a:endParaRPr>
+          </a:p>
+          <a:p>
+            <a:pPr algn="r">
+              <a:spcBef>
+                <a:spcPct val="50000"/>
+              </a:spcBef>
+            </a:pPr>
+            <a:r>
+              <a:rPr lang="en-US" altLang="de-DE" sz="1000" b="1" dirty="0" err="1" smtClean="0">
                 <a:solidFill>
                   <a:srgbClr val="71706E"/>
                 </a:solidFill>
                 <a:latin typeface="Calibri" panose="020F0502020204030204" pitchFamily="34" charset="0"/>
                 <a:cs typeface="Calibri" panose="020F0502020204030204" pitchFamily="34" charset="0"/>
               </a:rPr>
-              <a:t>)</a:t>
+              <a:t>Lizenziert</a:t>
+            </a:r>
+            <a:r>
+              <a:rPr lang="en-US" altLang="de-DE" sz="1000" b="1" dirty="0" smtClean="0">
+                <a:solidFill>
+                  <a:srgbClr val="71706E"/>
+                </a:solidFill>
+                <a:latin typeface="Calibri" panose="020F0502020204030204" pitchFamily="34" charset="0"/>
+                <a:cs typeface="Calibri" panose="020F0502020204030204" pitchFamily="34" charset="0"/>
+              </a:rPr>
+              <a:t> </a:t>
+            </a:r>
+            <a:r>
+              <a:rPr lang="en-US" altLang="de-DE" sz="1000" b="1" dirty="0" err="1" smtClean="0">
+                <a:solidFill>
+                  <a:srgbClr val="71706E"/>
+                </a:solidFill>
+                <a:latin typeface="Calibri" panose="020F0502020204030204" pitchFamily="34" charset="0"/>
+                <a:cs typeface="Calibri" panose="020F0502020204030204" pitchFamily="34" charset="0"/>
+              </a:rPr>
+              <a:t>unter</a:t>
+            </a:r>
+            <a:r>
+              <a:rPr lang="en-US" altLang="de-DE" sz="1000" b="1" dirty="0" smtClean="0">
+                <a:solidFill>
+                  <a:srgbClr val="71706E"/>
+                </a:solidFill>
+                <a:latin typeface="Calibri" panose="020F0502020204030204" pitchFamily="34" charset="0"/>
+                <a:cs typeface="Calibri" panose="020F0502020204030204" pitchFamily="34" charset="0"/>
+              </a:rPr>
+              <a:t> </a:t>
+            </a:r>
+            <a:r>
+              <a:rPr lang="en-US" altLang="de-DE" sz="1000" b="1" dirty="0" smtClean="0">
+                <a:solidFill>
+                  <a:srgbClr val="71706E"/>
+                </a:solidFill>
+                <a:latin typeface="Calibri" panose="020F0502020204030204" pitchFamily="34" charset="0"/>
+                <a:cs typeface="Calibri" panose="020F0502020204030204" pitchFamily="34" charset="0"/>
+                <a:hlinkClick r:id="rId4"/>
+              </a:rPr>
+              <a:t>CC BY 4.0</a:t>
             </a:r>
             <a:endParaRPr lang="en-US" altLang="de-DE" sz="1000" b="1" dirty="0">
               <a:solidFill>
@@ -10633,7 +10698,7 @@
             <p:nvPr/>
           </p:nvPicPr>
           <p:blipFill>
-            <a:blip r:embed="rId4">
+            <a:blip r:embed="rId5">
               <a:extLst>
                 <a:ext uri="{28A0092B-C50C-407E-A947-70E740481C1C}">
                   <a14:useLocalDpi xmlns:a14="http://schemas.microsoft.com/office/drawing/2010/main" val="0"/>
@@ -10687,7 +10752,7 @@
             <p:nvPr/>
           </p:nvPicPr>
           <p:blipFill>
-            <a:blip r:embed="rId5">
+            <a:blip r:embed="rId6">
               <a:extLst>
                 <a:ext uri="{28A0092B-C50C-407E-A947-70E740481C1C}">
                   <a14:useLocalDpi xmlns:a14="http://schemas.microsoft.com/office/drawing/2010/main" val="0"/>
@@ -10741,7 +10806,7 @@
             <p:nvPr/>
           </p:nvPicPr>
           <p:blipFill>
-            <a:blip r:embed="rId6">
+            <a:blip r:embed="rId7">
               <a:extLst>
                 <a:ext uri="{28A0092B-C50C-407E-A947-70E740481C1C}">
                   <a14:useLocalDpi xmlns:a14="http://schemas.microsoft.com/office/drawing/2010/main" val="0"/>
@@ -10987,7 +11052,7 @@
           <p:nvPr/>
         </p:nvPicPr>
         <p:blipFill>
-          <a:blip r:embed="rId7">
+          <a:blip r:embed="rId8">
             <a:extLst>
               <a:ext uri="{28A0092B-C50C-407E-A947-70E740481C1C}">
                 <a14:useLocalDpi xmlns:a14="http://schemas.microsoft.com/office/drawing/2010/main" val="0"/>
@@ -11544,11 +11609,7 @@
                       </a:r>
                       <a:r>
                         <a:rPr lang="en-US" sz="1600" b="0" dirty="0" smtClean="0"/>
-                        <a:t> </a:t>
-                      </a:r>
-                      <a:r>
-                        <a:rPr lang="en-US" sz="1600" b="0" dirty="0" smtClean="0"/>
-                        <a:t>1</a:t>
+                        <a:t> 1</a:t>
                       </a:r>
                       <a:endParaRPr lang="en-US" sz="1600" b="0" baseline="0" dirty="0" smtClean="0"/>
                     </a:p>
@@ -11563,11 +11624,7 @@
                       </a:r>
                       <a:r>
                         <a:rPr lang="en-US" sz="1600" b="0" baseline="0" dirty="0" smtClean="0"/>
-                        <a:t> </a:t>
-                      </a:r>
-                      <a:r>
-                        <a:rPr lang="en-US" sz="1600" b="0" baseline="0" dirty="0" smtClean="0"/>
-                        <a:t>2</a:t>
+                        <a:t> 2</a:t>
                       </a:r>
                     </a:p>
                     <a:p>
@@ -12879,7 +12936,7 @@
       </p:pic>
       <p:sp>
         <p:nvSpPr>
-          <p:cNvPr id="14" name="TextBox 7"/>
+          <p:cNvPr id="13" name="TextBox 7"/>
           <p:cNvSpPr txBox="1">
             <a:spLocks noChangeArrowheads="1"/>
           </p:cNvSpPr>
@@ -12887,8 +12944,8 @@
         </p:nvSpPr>
         <p:spPr bwMode="auto">
           <a:xfrm>
-            <a:off x="11061700" y="9445625"/>
-            <a:ext cx="4144963" cy="477054"/>
+            <a:off x="10428287" y="9220517"/>
+            <a:ext cx="4144963" cy="738664"/>
           </a:xfrm>
           <a:prstGeom prst="rect">
             <a:avLst/>
@@ -13035,7 +13092,7 @@
               </a:spcBef>
             </a:pPr>
             <a:r>
-              <a:rPr lang="en-US" altLang="de-DE" sz="1000" b="1" dirty="0" err="1" smtClean="0">
+              <a:rPr lang="en-US" altLang="de-DE" sz="1200" b="1" dirty="0" err="1" smtClean="0">
                 <a:solidFill>
                   <a:srgbClr val="71706E"/>
                 </a:solidFill>
@@ -13045,7 +13102,7 @@
               <a:t>Nachbarschaftstemplate</a:t>
             </a:r>
             <a:r>
-              <a:rPr lang="en-US" altLang="de-DE" sz="1000" b="1" dirty="0" smtClean="0">
+              <a:rPr lang="en-US" altLang="de-DE" sz="1200" b="1" dirty="0" smtClean="0">
                 <a:solidFill>
                   <a:srgbClr val="71706E"/>
                 </a:solidFill>
@@ -13055,7 +13112,7 @@
               <a:t> | </a:t>
             </a:r>
             <a:r>
-              <a:rPr lang="en-US" altLang="de-DE" sz="1000" b="1" dirty="0" smtClean="0">
+              <a:rPr lang="en-US" altLang="de-DE" sz="1200" b="1" dirty="0" smtClean="0">
                 <a:solidFill>
                   <a:srgbClr val="71706E"/>
                 </a:solidFill>
@@ -13097,17 +13154,27 @@
                 <a:latin typeface="Calibri" panose="020F0502020204030204" pitchFamily="34" charset="0"/>
                 <a:cs typeface="Calibri" panose="020F0502020204030204" pitchFamily="34" charset="0"/>
               </a:rPr>
-              <a:t>: Dr. Katharina Zinke (</a:t>
-            </a:r>
-            <a:r>
-              <a:rPr lang="en-US" altLang="de-DE" sz="1000" b="1" dirty="0" err="1" smtClean="0">
+              <a:t>: </a:t>
+            </a:r>
+            <a:r>
+              <a:rPr lang="en-US" altLang="de-DE" sz="1000" b="1" dirty="0" smtClean="0">
                 <a:solidFill>
                   <a:srgbClr val="71706E"/>
                 </a:solidFill>
                 <a:latin typeface="Calibri" panose="020F0502020204030204" pitchFamily="34" charset="0"/>
                 <a:cs typeface="Calibri" panose="020F0502020204030204" pitchFamily="34" charset="0"/>
               </a:rPr>
-              <a:t>Unibibliothek</a:t>
+              <a:t>Katharina Zinke, </a:t>
+            </a:r>
+            <a:r>
+              <a:rPr lang="en-US" altLang="de-DE" sz="1000" b="1" dirty="0" err="1" smtClean="0">
+                <a:solidFill>
+                  <a:srgbClr val="71706E"/>
+                </a:solidFill>
+                <a:latin typeface="Calibri" panose="020F0502020204030204" pitchFamily="34" charset="0"/>
+                <a:cs typeface="Calibri" panose="020F0502020204030204" pitchFamily="34" charset="0"/>
+              </a:rPr>
+              <a:t>Universitätsbibliothek</a:t>
             </a:r>
             <a:r>
               <a:rPr lang="en-US" altLang="de-DE" sz="1000" b="1" dirty="0" smtClean="0">
@@ -13129,15 +13196,70 @@
               </a:rPr>
               <a:t>Tübingen</a:t>
             </a:r>
-            <a:r>
-              <a:rPr lang="en-US" altLang="de-DE" sz="1000" b="1" dirty="0" smtClean="0">
+            <a:endParaRPr lang="en-US" altLang="de-DE" sz="1000" b="1" dirty="0">
+              <a:solidFill>
+                <a:srgbClr val="71706E"/>
+              </a:solidFill>
+              <a:latin typeface="Calibri" panose="020F0502020204030204" pitchFamily="34" charset="0"/>
+              <a:cs typeface="Calibri" panose="020F0502020204030204" pitchFamily="34" charset="0"/>
+            </a:endParaRPr>
+          </a:p>
+          <a:p>
+            <a:pPr algn="r">
+              <a:spcBef>
+                <a:spcPct val="50000"/>
+              </a:spcBef>
+            </a:pPr>
+            <a:r>
+              <a:rPr lang="en-US" altLang="de-DE" sz="1000" b="1" dirty="0" err="1" smtClean="0">
                 <a:solidFill>
                   <a:srgbClr val="71706E"/>
                 </a:solidFill>
                 <a:latin typeface="Calibri" panose="020F0502020204030204" pitchFamily="34" charset="0"/>
                 <a:cs typeface="Calibri" panose="020F0502020204030204" pitchFamily="34" charset="0"/>
               </a:rPr>
-              <a:t>)</a:t>
+              <a:t>Lizenziert</a:t>
+            </a:r>
+            <a:r>
+              <a:rPr lang="en-US" altLang="de-DE" sz="1000" b="1" dirty="0" smtClean="0">
+                <a:solidFill>
+                  <a:srgbClr val="71706E"/>
+                </a:solidFill>
+                <a:latin typeface="Calibri" panose="020F0502020204030204" pitchFamily="34" charset="0"/>
+                <a:cs typeface="Calibri" panose="020F0502020204030204" pitchFamily="34" charset="0"/>
+              </a:rPr>
+              <a:t> </a:t>
+            </a:r>
+            <a:r>
+              <a:rPr lang="en-US" altLang="de-DE" sz="1000" b="1" dirty="0" err="1" smtClean="0">
+                <a:solidFill>
+                  <a:srgbClr val="71706E"/>
+                </a:solidFill>
+                <a:latin typeface="Calibri" panose="020F0502020204030204" pitchFamily="34" charset="0"/>
+                <a:cs typeface="Calibri" panose="020F0502020204030204" pitchFamily="34" charset="0"/>
+              </a:rPr>
+              <a:t>unter</a:t>
+            </a:r>
+            <a:r>
+              <a:rPr lang="en-US" altLang="de-DE" sz="1000" b="1" dirty="0" smtClean="0">
+                <a:solidFill>
+                  <a:srgbClr val="71706E"/>
+                </a:solidFill>
+                <a:latin typeface="Calibri" panose="020F0502020204030204" pitchFamily="34" charset="0"/>
+                <a:cs typeface="Calibri" panose="020F0502020204030204" pitchFamily="34" charset="0"/>
+              </a:rPr>
+              <a:t> </a:t>
+            </a:r>
+            <a:r>
+              <a:rPr lang="en-US" altLang="de-DE" sz="1000" b="1" dirty="0" smtClean="0">
+                <a:solidFill>
+                  <a:srgbClr val="71706E"/>
+                </a:solidFill>
+                <a:latin typeface="Calibri" panose="020F0502020204030204" pitchFamily="34" charset="0"/>
+                <a:cs typeface="Calibri" panose="020F0502020204030204" pitchFamily="34" charset="0"/>
+                <a:hlinkClick r:id="rId8"/>
+              </a:rPr>
+              <a:t>CC BY 4.0</a:t>
             </a:r>
             <a:endParaRPr lang="en-US" altLang="de-DE" sz="1000" b="1" dirty="0">
               <a:solidFill>

--- a/docs/00_Tools/04_01_DE_Neighborhood-Template_Beispiel.pptx
+++ b/docs/00_Tools/04_01_DE_Neighborhood-Template_Beispiel.pptx
@@ -9509,17 +9509,7 @@
                 <a:latin typeface="Calibri" panose="020F0502020204030204" pitchFamily="34" charset="0"/>
                 <a:cs typeface="Calibri" panose="020F0502020204030204" pitchFamily="34" charset="0"/>
               </a:rPr>
-              <a:t>: </a:t>
-            </a:r>
-            <a:r>
-              <a:rPr lang="en-US" altLang="de-DE" sz="1000" b="1" dirty="0" smtClean="0">
-                <a:solidFill>
-                  <a:srgbClr val="71706E"/>
-                </a:solidFill>
-                <a:latin typeface="Calibri" panose="020F0502020204030204" pitchFamily="34" charset="0"/>
-                <a:cs typeface="Calibri" panose="020F0502020204030204" pitchFamily="34" charset="0"/>
-              </a:rPr>
-              <a:t>Katharina Zinke, </a:t>
+              <a:t>: Katharina Zinke, </a:t>
             </a:r>
             <a:r>
               <a:rPr lang="en-US" altLang="de-DE" sz="1000" b="1" dirty="0" err="1" smtClean="0">
@@ -13154,17 +13144,7 @@
                 <a:latin typeface="Calibri" panose="020F0502020204030204" pitchFamily="34" charset="0"/>
                 <a:cs typeface="Calibri" panose="020F0502020204030204" pitchFamily="34" charset="0"/>
               </a:rPr>
-              <a:t>: </a:t>
-            </a:r>
-            <a:r>
-              <a:rPr lang="en-US" altLang="de-DE" sz="1000" b="1" dirty="0" smtClean="0">
-                <a:solidFill>
-                  <a:srgbClr val="71706E"/>
-                </a:solidFill>
-                <a:latin typeface="Calibri" panose="020F0502020204030204" pitchFamily="34" charset="0"/>
-                <a:cs typeface="Calibri" panose="020F0502020204030204" pitchFamily="34" charset="0"/>
-              </a:rPr>
-              <a:t>Katharina Zinke, </a:t>
+              <a:t>: Katharina Zinke, </a:t>
             </a:r>
             <a:r>
               <a:rPr lang="en-US" altLang="de-DE" sz="1000" b="1" dirty="0" err="1" smtClean="0">
